--- a/RECAP - Copy.pptx
+++ b/RECAP - Copy.pptx
@@ -3426,7 +3426,7 @@
                 <a:latin typeface="Times New Roman" panose="02020603050405020304" pitchFamily="18" charset="0"/>
                 <a:cs typeface="Times New Roman" panose="02020603050405020304" pitchFamily="18" charset="0"/>
               </a:rPr>
-              <a:t>RECARP for the virtual seminar series</a:t>
+              <a:t>RECAP for the virtual seminar series</a:t>
             </a:r>
             <a:endParaRPr lang="en-UG" dirty="0">
               <a:latin typeface="Times New Roman" panose="02020603050405020304" pitchFamily="18" charset="0"/>
@@ -3461,8 +3461,10 @@
                 <a:latin typeface="Times New Roman" panose="02020603050405020304" pitchFamily="18" charset="0"/>
                 <a:cs typeface="Times New Roman" panose="02020603050405020304" pitchFamily="18" charset="0"/>
               </a:rPr>
-              <a:t>By: Osei-Tutu Desmond</a:t>
-            </a:r>
+              <a:t>By: Group 2</a:t>
+            </a:r>
+          </a:p>
+          <a:p>
             <a:endParaRPr lang="en-UG" dirty="0">
               <a:latin typeface="Times New Roman" panose="02020603050405020304" pitchFamily="18" charset="0"/>
               <a:cs typeface="Times New Roman" panose="02020603050405020304" pitchFamily="18" charset="0"/>
@@ -4584,6 +4586,52 @@
           </a:prstGeom>
         </p:spPr>
       </p:pic>
+      <p:sp>
+        <p:nvSpPr>
+          <p:cNvPr id="2" name="Rectangle: Rounded Corners 1">
+            <a:extLst>
+              <a:ext uri="{FF2B5EF4-FFF2-40B4-BE49-F238E27FC236}">
+                <a16:creationId xmlns:a16="http://schemas.microsoft.com/office/drawing/2014/main" id="{06861DCB-4439-C601-CD41-6CD6A2224743}"/>
+              </a:ext>
+            </a:extLst>
+          </p:cNvPr>
+          <p:cNvSpPr/>
+          <p:nvPr/>
+        </p:nvSpPr>
+        <p:spPr>
+          <a:xfrm>
+            <a:off x="242047" y="0"/>
+            <a:ext cx="2622177" cy="685800"/>
+          </a:xfrm>
+          <a:prstGeom prst="roundRect">
+            <a:avLst/>
+          </a:prstGeom>
+        </p:spPr>
+        <p:style>
+          <a:lnRef idx="2">
+            <a:schemeClr val="accent1">
+              <a:shade val="50000"/>
+            </a:schemeClr>
+          </a:lnRef>
+          <a:fillRef idx="1">
+            <a:schemeClr val="accent1"/>
+          </a:fillRef>
+          <a:effectRef idx="0">
+            <a:schemeClr val="accent1"/>
+          </a:effectRef>
+          <a:fontRef idx="minor">
+            <a:schemeClr val="lt1"/>
+          </a:fontRef>
+        </p:style>
+        <p:txBody>
+          <a:bodyPr rtlCol="0" anchor="ctr"/>
+          <a:lstStyle/>
+          <a:p>
+            <a:pPr algn="ctr"/>
+            <a:endParaRPr lang="en-UG"/>
+          </a:p>
+        </p:txBody>
+      </p:sp>
     </p:spTree>
     <p:extLst>
       <p:ext uri="{BB962C8B-B14F-4D97-AF65-F5344CB8AC3E}">
